--- a/ToegepasteAnalogeElektronica/PowerPoint/reflecties.pptx
+++ b/ToegepasteAnalogeElektronica/PowerPoint/reflecties.pptx
@@ -678,7 +678,7 @@
           <a:p>
             <a:fld id="{8F591CCF-F6FD-734B-854A-5BC033593B1E}" type="datetimeFigureOut">
               <a:rPr lang="nl-NL" smtClean="0"/>
-              <a:t>20-9-2025</a:t>
+              <a:t>21-9-2025</a:t>
             </a:fld>
             <a:endParaRPr lang="nl-NL"/>
           </a:p>
@@ -843,7 +843,7 @@
           <a:p>
             <a:fld id="{23C66214-DB21-4647-B5DA-0D17CA592867}" type="datetimeFigureOut">
               <a:rPr lang="nl-NL" smtClean="0"/>
-              <a:t>20-9-2025</a:t>
+              <a:t>21-9-2025</a:t>
             </a:fld>
             <a:endParaRPr lang="nl-NL"/>
           </a:p>
@@ -1454,7 +1454,7 @@
           <a:p>
             <a:fld id="{D15822B7-9EF6-9542-AF10-CD505E021A84}" type="datetime1">
               <a:rPr lang="nl-BE" smtClean="0"/>
-              <a:t>20/09/2025</a:t>
+              <a:t>21/09/2025</a:t>
             </a:fld>
             <a:endParaRPr lang="nl-NL"/>
           </a:p>
@@ -1704,7 +1704,7 @@
           <a:p>
             <a:fld id="{D15822B7-9EF6-9542-AF10-CD505E021A84}" type="datetime1">
               <a:rPr lang="nl-BE" smtClean="0"/>
-              <a:t>20/09/2025</a:t>
+              <a:t>21/09/2025</a:t>
             </a:fld>
             <a:endParaRPr lang="nl-NL"/>
           </a:p>
@@ -1987,7 +1987,7 @@
           <a:p>
             <a:fld id="{F52CA13D-CC20-034F-8D4D-5C3038626ED9}" type="datetime1">
               <a:rPr lang="nl-BE" smtClean="0"/>
-              <a:t>20/09/2025</a:t>
+              <a:t>21/09/2025</a:t>
             </a:fld>
             <a:endParaRPr lang="nl-NL"/>
           </a:p>
@@ -2267,8 +2267,8 @@
         </p:nvSpPr>
         <p:spPr>
           <a:xfrm>
-            <a:off x="576000" y="2232000"/>
-            <a:ext cx="11006400" cy="3820646"/>
+            <a:off x="576000" y="800401"/>
+            <a:ext cx="11006400" cy="5252245"/>
           </a:xfrm>
         </p:spPr>
         <p:txBody>
@@ -2339,7 +2339,7 @@
           <a:p>
             <a:fld id="{F52CA13D-CC20-034F-8D4D-5C3038626ED9}" type="datetime1">
               <a:rPr lang="nl-BE" smtClean="0"/>
-              <a:t>20/09/2025</a:t>
+              <a:t>21/09/2025</a:t>
             </a:fld>
             <a:endParaRPr lang="nl-NL"/>
           </a:p>
@@ -2457,7 +2457,7 @@
         </p:nvSpPr>
         <p:spPr>
           <a:xfrm>
-            <a:off x="576000" y="576001"/>
+            <a:off x="576000" y="4501"/>
             <a:ext cx="11041200" cy="648000"/>
           </a:xfrm>
         </p:spPr>
@@ -2517,8 +2517,8 @@
         </p:nvGrpSpPr>
         <p:grpSpPr>
           <a:xfrm>
-            <a:off x="125506" y="1312858"/>
-            <a:ext cx="11821095" cy="4739788"/>
+            <a:off x="125506" y="731855"/>
+            <a:ext cx="11821095" cy="5320791"/>
             <a:chOff x="0" y="-241102"/>
             <a:chExt cx="23088432" cy="12605757"/>
           </a:xfrm>
@@ -3463,8 +3463,8 @@
         </p:nvSpPr>
         <p:spPr>
           <a:xfrm>
-            <a:off x="245399" y="1810310"/>
-            <a:ext cx="11605942" cy="4175637"/>
+            <a:off x="245399" y="1280788"/>
+            <a:ext cx="11605942" cy="4705159"/>
           </a:xfrm>
           <a:noFill/>
         </p:spPr>
@@ -3572,7 +3572,7 @@
           <a:p>
             <a:fld id="{F52CA13D-CC20-034F-8D4D-5C3038626ED9}" type="datetime1">
               <a:rPr lang="nl-BE" smtClean="0"/>
-              <a:t>20/09/2025</a:t>
+              <a:t>21/09/2025</a:t>
             </a:fld>
             <a:endParaRPr lang="nl-NL"/>
           </a:p>
@@ -3690,7 +3690,7 @@
         </p:nvSpPr>
         <p:spPr>
           <a:xfrm>
-            <a:off x="576000" y="576000"/>
+            <a:off x="576000" y="4500"/>
             <a:ext cx="11041200" cy="579455"/>
           </a:xfrm>
         </p:spPr>
@@ -3793,7 +3793,7 @@
           <a:p>
             <a:fld id="{F52CA13D-CC20-034F-8D4D-5C3038626ED9}" type="datetime1">
               <a:rPr lang="nl-BE" smtClean="0"/>
-              <a:t>20/09/2025</a:t>
+              <a:t>21/09/2025</a:t>
             </a:fld>
             <a:endParaRPr lang="nl-NL"/>
           </a:p>
@@ -3911,7 +3911,7 @@
         </p:nvSpPr>
         <p:spPr>
           <a:xfrm>
-            <a:off x="576000" y="576001"/>
+            <a:off x="576000" y="4501"/>
             <a:ext cx="11041200" cy="648000"/>
           </a:xfrm>
         </p:spPr>
@@ -4004,8 +4004,8 @@
         </p:nvSpPr>
         <p:spPr>
           <a:xfrm>
-            <a:off x="576000" y="1688400"/>
-            <a:ext cx="11006400" cy="4364246"/>
+            <a:off x="576000" y="811831"/>
+            <a:ext cx="11006400" cy="5240815"/>
           </a:xfrm>
         </p:spPr>
         <p:txBody>
@@ -4084,7 +4084,7 @@
           <a:p>
             <a:fld id="{F52CA13D-CC20-034F-8D4D-5C3038626ED9}" type="datetime1">
               <a:rPr lang="nl-BE" smtClean="0"/>
-              <a:t>20/09/2025</a:t>
+              <a:t>21/09/2025</a:t>
             </a:fld>
             <a:endParaRPr lang="nl-NL"/>
           </a:p>
@@ -4202,7 +4202,7 @@
         </p:nvSpPr>
         <p:spPr>
           <a:xfrm>
-            <a:off x="576000" y="576000"/>
+            <a:off x="576000" y="15930"/>
             <a:ext cx="11041200" cy="648001"/>
           </a:xfrm>
         </p:spPr>
@@ -4211,10 +4211,10 @@
           <a:lstStyle/>
           <a:p>
             <a:r>
-              <a:rPr lang="en-US"/>
+              <a:rPr lang="en-US" dirty="0"/>
               <a:t>Click to edit Master title style</a:t>
             </a:r>
-            <a:endParaRPr lang="en-GB"/>
+            <a:endParaRPr lang="en-GB" dirty="0"/>
           </a:p>
         </p:txBody>
       </p:sp>
@@ -4266,8 +4266,8 @@
         </p:nvSpPr>
         <p:spPr>
           <a:xfrm>
-            <a:off x="576000" y="1531620"/>
-            <a:ext cx="11006400" cy="4521026"/>
+            <a:off x="576000" y="868680"/>
+            <a:ext cx="11006400" cy="5183966"/>
           </a:xfrm>
         </p:spPr>
         <p:txBody>
@@ -4338,7 +4338,7 @@
           <a:p>
             <a:fld id="{F52CA13D-CC20-034F-8D4D-5C3038626ED9}" type="datetime1">
               <a:rPr lang="nl-BE" smtClean="0"/>
-              <a:t>20/09/2025</a:t>
+              <a:t>21/09/2025</a:t>
             </a:fld>
             <a:endParaRPr lang="nl-NL"/>
           </a:p>
@@ -4456,7 +4456,7 @@
         </p:nvSpPr>
         <p:spPr>
           <a:xfrm>
-            <a:off x="576000" y="576001"/>
+            <a:off x="576000" y="15931"/>
             <a:ext cx="11041200" cy="650366"/>
           </a:xfrm>
         </p:spPr>
@@ -4551,7 +4551,7 @@
           <a:p>
             <a:fld id="{D15822B7-9EF6-9542-AF10-CD505E021A84}" type="datetime1">
               <a:rPr lang="nl-BE" smtClean="0"/>
-              <a:t>20/09/2025</a:t>
+              <a:t>21/09/2025</a:t>
             </a:fld>
             <a:endParaRPr lang="nl-NL"/>
           </a:p>
@@ -4617,8 +4617,8 @@
         </p:nvSpPr>
         <p:spPr>
           <a:xfrm>
-            <a:off x="576000" y="2232000"/>
-            <a:ext cx="11006402" cy="3820646"/>
+            <a:off x="576000" y="708660"/>
+            <a:ext cx="11006402" cy="5343986"/>
           </a:xfrm>
         </p:spPr>
         <p:txBody>
@@ -4679,7 +4679,7 @@
         </p:nvSpPr>
         <p:spPr>
           <a:xfrm>
-            <a:off x="576000" y="576001"/>
+            <a:off x="576000" y="15931"/>
             <a:ext cx="11041200" cy="578430"/>
           </a:xfrm>
         </p:spPr>
@@ -4688,10 +4688,10 @@
           <a:lstStyle/>
           <a:p>
             <a:r>
-              <a:rPr lang="en-US"/>
+              <a:rPr lang="en-US" dirty="0"/>
               <a:t>Click to edit Master title style</a:t>
             </a:r>
-            <a:endParaRPr lang="en-GB"/>
+            <a:endParaRPr lang="en-GB" dirty="0"/>
           </a:p>
         </p:txBody>
       </p:sp>
@@ -4742,7 +4742,7 @@
           <a:p>
             <a:fld id="{D15822B7-9EF6-9542-AF10-CD505E021A84}" type="datetime1">
               <a:rPr lang="nl-BE" smtClean="0"/>
-              <a:t>20/09/2025</a:t>
+              <a:t>21/09/2025</a:t>
             </a:fld>
             <a:endParaRPr lang="nl-NL"/>
           </a:p>
@@ -4808,8 +4808,8 @@
         </p:nvSpPr>
         <p:spPr>
           <a:xfrm>
-            <a:off x="576000" y="2232000"/>
-            <a:ext cx="11006402" cy="3820646"/>
+            <a:off x="576000" y="765810"/>
+            <a:ext cx="11006402" cy="5286836"/>
           </a:xfrm>
         </p:spPr>
         <p:txBody>
@@ -4870,7 +4870,7 @@
         </p:nvSpPr>
         <p:spPr>
           <a:xfrm>
-            <a:off x="576000" y="576001"/>
+            <a:off x="576000" y="0"/>
             <a:ext cx="11041200" cy="647010"/>
           </a:xfrm>
         </p:spPr>
@@ -5100,7 +5100,7 @@
           <a:p>
             <a:fld id="{0C33DDE8-63FF-C642-9F3A-0B773DD34821}" type="datetime1">
               <a:rPr lang="nl-BE" smtClean="0"/>
-              <a:t>20/09/2025</a:t>
+              <a:t>21/09/2025</a:t>
             </a:fld>
             <a:endParaRPr lang="nl-NL"/>
           </a:p>
@@ -6623,6 +6623,26 @@
 </file>
 
 <file path=customXml/item1.xml><?xml version="1.0" encoding="utf-8"?>
+<p:properties xmlns:p="http://schemas.microsoft.com/office/2006/metadata/properties" xmlns:xsi="http://www.w3.org/2001/XMLSchema-instance" xmlns:pc="http://schemas.microsoft.com/office/infopath/2007/PartnerControls">
+  <documentManagement>
+    <lcf76f155ced4ddcb4097134ff3c332f xmlns="81d41a3b-f33d-4db6-b532-757106a7a2ae">
+      <Terms xmlns="http://schemas.microsoft.com/office/infopath/2007/PartnerControls"/>
+    </lcf76f155ced4ddcb4097134ff3c332f>
+    <TaxCatchAll xmlns="bf25a9bf-a811-4965-9d0a-b88059080fed" xsi:nil="true"/>
+  </documentManagement>
+</p:properties>
+</file>
+
+<file path=customXml/item2.xml><?xml version="1.0" encoding="utf-8"?>
+<?mso-contentType ?>
+<FormTemplates xmlns="http://schemas.microsoft.com/sharepoint/v3/contenttype/forms">
+  <Display>DocumentLibraryForm</Display>
+  <Edit>DocumentLibraryForm</Edit>
+  <New>DocumentLibraryForm</New>
+</FormTemplates>
+</file>
+
+<file path=customXml/item3.xml><?xml version="1.0" encoding="utf-8"?>
 <ct:contentTypeSchema xmlns:ct="http://schemas.microsoft.com/office/2006/metadata/contentType" xmlns:ma="http://schemas.microsoft.com/office/2006/metadata/properties/metaAttributes" ct:_="" ma:_="" ma:contentTypeName="Document" ma:contentTypeID="0x010100B8C495A181F81B4C9DE5AD85CD0F70D4" ma:contentTypeVersion="18" ma:contentTypeDescription="Een nieuw document maken." ma:contentTypeScope="" ma:versionID="6ba28a59cba4a02a693681f32745d77b">
   <xsd:schema xmlns:xsd="http://www.w3.org/2001/XMLSchema" xmlns:xs="http://www.w3.org/2001/XMLSchema" xmlns:p="http://schemas.microsoft.com/office/2006/metadata/properties" xmlns:ns2="81d41a3b-f33d-4db6-b532-757106a7a2ae" xmlns:ns3="bf25a9bf-a811-4965-9d0a-b88059080fed" targetNamespace="http://schemas.microsoft.com/office/2006/metadata/properties" ma:root="true" ma:fieldsID="b996b4a4c0d83f5cfec71b22aba921d2" ns2:_="" ns3:_="">
     <xsd:import namespace="81d41a3b-f33d-4db6-b532-757106a7a2ae"/>
@@ -6877,27 +6897,32 @@
 </ct:contentTypeSchema>
 </file>
 
-<file path=customXml/item2.xml><?xml version="1.0" encoding="utf-8"?>
-<?mso-contentType ?>
-<FormTemplates xmlns="http://schemas.microsoft.com/sharepoint/v3/contenttype/forms">
-  <Display>DocumentLibraryForm</Display>
-  <Edit>DocumentLibraryForm</Edit>
-  <New>DocumentLibraryForm</New>
-</FormTemplates>
+<file path=customXml/itemProps1.xml><?xml version="1.0" encoding="utf-8"?>
+<ds:datastoreItem xmlns:ds="http://schemas.openxmlformats.org/officeDocument/2006/customXml" ds:itemID="{5EE9034D-0B43-4AB0-9535-9A62DB37A999}">
+  <ds:schemaRefs>
+    <ds:schemaRef ds:uri="http://www.w3.org/XML/1998/namespace"/>
+    <ds:schemaRef ds:uri="81d41a3b-f33d-4db6-b532-757106a7a2ae"/>
+    <ds:schemaRef ds:uri="http://purl.org/dc/dcmitype/"/>
+    <ds:schemaRef ds:uri="http://purl.org/dc/elements/1.1/"/>
+    <ds:schemaRef ds:uri="http://schemas.microsoft.com/office/2006/documentManagement/types"/>
+    <ds:schemaRef ds:uri="bf25a9bf-a811-4965-9d0a-b88059080fed"/>
+    <ds:schemaRef ds:uri="http://purl.org/dc/terms/"/>
+    <ds:schemaRef ds:uri="http://schemas.microsoft.com/office/infopath/2007/PartnerControls"/>
+    <ds:schemaRef ds:uri="http://schemas.openxmlformats.org/package/2006/metadata/core-properties"/>
+    <ds:schemaRef ds:uri="http://schemas.microsoft.com/office/2006/metadata/properties"/>
+  </ds:schemaRefs>
+</ds:datastoreItem>
 </file>
 
-<file path=customXml/item3.xml><?xml version="1.0" encoding="utf-8"?>
-<p:properties xmlns:p="http://schemas.microsoft.com/office/2006/metadata/properties" xmlns:xsi="http://www.w3.org/2001/XMLSchema-instance" xmlns:pc="http://schemas.microsoft.com/office/infopath/2007/PartnerControls">
-  <documentManagement>
-    <lcf76f155ced4ddcb4097134ff3c332f xmlns="81d41a3b-f33d-4db6-b532-757106a7a2ae">
-      <Terms xmlns="http://schemas.microsoft.com/office/infopath/2007/PartnerControls"/>
-    </lcf76f155ced4ddcb4097134ff3c332f>
-    <TaxCatchAll xmlns="bf25a9bf-a811-4965-9d0a-b88059080fed" xsi:nil="true"/>
-  </documentManagement>
-</p:properties>
+<file path=customXml/itemProps2.xml><?xml version="1.0" encoding="utf-8"?>
+<ds:datastoreItem xmlns:ds="http://schemas.openxmlformats.org/officeDocument/2006/customXml" ds:itemID="{263A7949-1B93-457F-8888-53CC8A016F77}">
+  <ds:schemaRefs>
+    <ds:schemaRef ds:uri="http://schemas.microsoft.com/sharepoint/v3/contenttype/forms"/>
+  </ds:schemaRefs>
+</ds:datastoreItem>
 </file>
 
-<file path=customXml/itemProps1.xml><?xml version="1.0" encoding="utf-8"?>
+<file path=customXml/itemProps3.xml><?xml version="1.0" encoding="utf-8"?>
 <ds:datastoreItem xmlns:ds="http://schemas.openxmlformats.org/officeDocument/2006/customXml" ds:itemID="{2A270F01-48F1-4A41-8E26-ACAC66896963}">
   <ds:schemaRefs>
     <ds:schemaRef ds:uri="http://schemas.microsoft.com/office/2006/metadata/contentType"/>
@@ -6914,29 +6939,4 @@
     <ds:schemaRef ds:uri="http://schemas.microsoft.com/internal/obd"/>
   </ds:schemaRefs>
 </ds:datastoreItem>
-</file>
-
-<file path=customXml/itemProps2.xml><?xml version="1.0" encoding="utf-8"?>
-<ds:datastoreItem xmlns:ds="http://schemas.openxmlformats.org/officeDocument/2006/customXml" ds:itemID="{263A7949-1B93-457F-8888-53CC8A016F77}">
-  <ds:schemaRefs>
-    <ds:schemaRef ds:uri="http://schemas.microsoft.com/sharepoint/v3/contenttype/forms"/>
-  </ds:schemaRefs>
-</ds:datastoreItem>
-</file>
-
-<file path=customXml/itemProps3.xml><?xml version="1.0" encoding="utf-8"?>
-<ds:datastoreItem xmlns:ds="http://schemas.openxmlformats.org/officeDocument/2006/customXml" ds:itemID="{5EE9034D-0B43-4AB0-9535-9A62DB37A999}">
-  <ds:schemaRefs>
-    <ds:schemaRef ds:uri="http://www.w3.org/XML/1998/namespace"/>
-    <ds:schemaRef ds:uri="81d41a3b-f33d-4db6-b532-757106a7a2ae"/>
-    <ds:schemaRef ds:uri="http://purl.org/dc/dcmitype/"/>
-    <ds:schemaRef ds:uri="http://purl.org/dc/elements/1.1/"/>
-    <ds:schemaRef ds:uri="http://schemas.microsoft.com/office/2006/documentManagement/types"/>
-    <ds:schemaRef ds:uri="bf25a9bf-a811-4965-9d0a-b88059080fed"/>
-    <ds:schemaRef ds:uri="http://purl.org/dc/terms/"/>
-    <ds:schemaRef ds:uri="http://schemas.microsoft.com/office/infopath/2007/PartnerControls"/>
-    <ds:schemaRef ds:uri="http://schemas.openxmlformats.org/package/2006/metadata/core-properties"/>
-    <ds:schemaRef ds:uri="http://schemas.microsoft.com/office/2006/metadata/properties"/>
-  </ds:schemaRefs>
-</ds:datastoreItem>
 </file>
--- a/ToegepasteAnalogeElektronica/PowerPoint/reflecties.pptx
+++ b/ToegepasteAnalogeElektronica/PowerPoint/reflecties.pptx
@@ -5716,8 +5716,8 @@
         </p:blipFill>
         <p:spPr>
           <a:xfrm>
-            <a:off x="0" y="1179576"/>
-            <a:ext cx="12192000" cy="5029200"/>
+            <a:off x="0" y="566928"/>
+            <a:ext cx="12192000" cy="5577840"/>
           </a:xfrm>
           <a:prstGeom prst="rect">
             <a:avLst/>
@@ -5787,8 +5787,8 @@
         </p:blipFill>
         <p:spPr>
           <a:xfrm>
-            <a:off x="0" y="1179576"/>
-            <a:ext cx="12192000" cy="5029200"/>
+            <a:off x="0" y="566928"/>
+            <a:ext cx="12192000" cy="5577840"/>
           </a:xfrm>
           <a:prstGeom prst="rect">
             <a:avLst/>

--- a/ToegepasteAnalogeElektronica/PowerPoint/reflecties.pptx
+++ b/ToegepasteAnalogeElektronica/PowerPoint/reflecties.pptx
@@ -1,6 +1,6 @@
 
 <file path=ppt/presentation.xml><?xml version="1.0" encoding="utf-8"?>
-<p:presentation xmlns:a="http://schemas.openxmlformats.org/drawingml/2006/main" xmlns:r="http://schemas.openxmlformats.org/officeDocument/2006/relationships" xmlns:p="http://schemas.openxmlformats.org/presentationml/2006/main" saveSubsetFonts="1" autoCompressPictures="0">
+<p:presentation xmlns:a="http://schemas.openxmlformats.org/drawingml/2006/main" xmlns:r="http://schemas.openxmlformats.org/officeDocument/2006/relationships" xmlns:p="http://schemas.openxmlformats.org/presentationml/2006/main" showSpecialPlsOnTitleSld="0" saveSubsetFonts="1" autoCompressPictures="0">
   <p:sldMasterIdLst>
     <p:sldMasterId id="2147483648" r:id="rId4"/>
   </p:sldMasterIdLst>
@@ -678,7 +678,7 @@
           <a:p>
             <a:fld id="{8F591CCF-F6FD-734B-854A-5BC033593B1E}" type="datetimeFigureOut">
               <a:rPr lang="nl-NL" smtClean="0"/>
-              <a:t>21-9-2025</a:t>
+              <a:t>28-9-2025</a:t>
             </a:fld>
             <a:endParaRPr lang="nl-NL"/>
           </a:p>
@@ -843,7 +843,7 @@
           <a:p>
             <a:fld id="{23C66214-DB21-4647-B5DA-0D17CA592867}" type="datetimeFigureOut">
               <a:rPr lang="nl-NL" smtClean="0"/>
-              <a:t>21-9-2025</a:t>
+              <a:t>28-9-2025</a:t>
             </a:fld>
             <a:endParaRPr lang="nl-NL"/>
           </a:p>
@@ -1452,9 +1452,9 @@
           <a:bodyPr/>
           <a:lstStyle/>
           <a:p>
-            <a:fld id="{D15822B7-9EF6-9542-AF10-CD505E021A84}" type="datetime1">
+            <a:fld id="{39E7E716-59E8-42BC-97BF-DDA9E59ADEE7}" type="datetime1">
               <a:rPr lang="nl-BE" smtClean="0"/>
-              <a:t>21/09/2025</a:t>
+              <a:t>28/09/2025</a:t>
             </a:fld>
             <a:endParaRPr lang="nl-NL"/>
           </a:p>
@@ -1486,7 +1486,7 @@
           <a:bodyPr/>
           <a:lstStyle/>
           <a:p>
-            <a:endParaRPr lang="nl-NL"/>
+            <a:endParaRPr lang="nl-NL" dirty="0"/>
           </a:p>
         </p:txBody>
       </p:sp>
@@ -1702,9 +1702,9 @@
           <a:bodyPr/>
           <a:lstStyle/>
           <a:p>
-            <a:fld id="{D15822B7-9EF6-9542-AF10-CD505E021A84}" type="datetime1">
+            <a:fld id="{68285E84-F3E9-4DE0-AF5C-DC32311C51B6}" type="datetime1">
               <a:rPr lang="nl-BE" smtClean="0"/>
-              <a:t>21/09/2025</a:t>
+              <a:t>28/09/2025</a:t>
             </a:fld>
             <a:endParaRPr lang="nl-NL"/>
           </a:p>
@@ -1985,9 +1985,9 @@
           <a:bodyPr/>
           <a:lstStyle/>
           <a:p>
-            <a:fld id="{F52CA13D-CC20-034F-8D4D-5C3038626ED9}" type="datetime1">
+            <a:fld id="{86D712DB-13D1-48DF-8D74-EA2A0D6A1295}" type="datetime1">
               <a:rPr lang="nl-BE" smtClean="0"/>
-              <a:t>21/09/2025</a:t>
+              <a:t>28/09/2025</a:t>
             </a:fld>
             <a:endParaRPr lang="nl-NL"/>
           </a:p>
@@ -2337,9 +2337,9 @@
           <a:bodyPr/>
           <a:lstStyle/>
           <a:p>
-            <a:fld id="{F52CA13D-CC20-034F-8D4D-5C3038626ED9}" type="datetime1">
+            <a:fld id="{EE55F63B-E5C2-47C9-B767-96A09BC63624}" type="datetime1">
               <a:rPr lang="nl-BE" smtClean="0"/>
-              <a:t>21/09/2025</a:t>
+              <a:t>28/09/2025</a:t>
             </a:fld>
             <a:endParaRPr lang="nl-NL"/>
           </a:p>
@@ -3570,9 +3570,9 @@
           <a:bodyPr/>
           <a:lstStyle/>
           <a:p>
-            <a:fld id="{F52CA13D-CC20-034F-8D4D-5C3038626ED9}" type="datetime1">
+            <a:fld id="{0445AAF3-F212-43BB-932B-DD1A31841819}" type="datetime1">
               <a:rPr lang="nl-BE" smtClean="0"/>
-              <a:t>21/09/2025</a:t>
+              <a:t>28/09/2025</a:t>
             </a:fld>
             <a:endParaRPr lang="nl-NL"/>
           </a:p>
@@ -3791,9 +3791,9 @@
           <a:bodyPr/>
           <a:lstStyle/>
           <a:p>
-            <a:fld id="{F52CA13D-CC20-034F-8D4D-5C3038626ED9}" type="datetime1">
+            <a:fld id="{215EBCC0-C3A3-417F-962F-876AE60FF46F}" type="datetime1">
               <a:rPr lang="nl-BE" smtClean="0"/>
-              <a:t>21/09/2025</a:t>
+              <a:t>28/09/2025</a:t>
             </a:fld>
             <a:endParaRPr lang="nl-NL"/>
           </a:p>
@@ -4082,9 +4082,9 @@
           <a:bodyPr/>
           <a:lstStyle/>
           <a:p>
-            <a:fld id="{F52CA13D-CC20-034F-8D4D-5C3038626ED9}" type="datetime1">
+            <a:fld id="{5087A35E-C6EC-4A6C-A286-9B263B20AC20}" type="datetime1">
               <a:rPr lang="nl-BE" smtClean="0"/>
-              <a:t>21/09/2025</a:t>
+              <a:t>28/09/2025</a:t>
             </a:fld>
             <a:endParaRPr lang="nl-NL"/>
           </a:p>
@@ -4336,9 +4336,9 @@
           <a:bodyPr/>
           <a:lstStyle/>
           <a:p>
-            <a:fld id="{F52CA13D-CC20-034F-8D4D-5C3038626ED9}" type="datetime1">
+            <a:fld id="{4B9B00E3-DE57-4EA4-A886-8AA88F9577D7}" type="datetime1">
               <a:rPr lang="nl-BE" smtClean="0"/>
-              <a:t>21/09/2025</a:t>
+              <a:t>28/09/2025</a:t>
             </a:fld>
             <a:endParaRPr lang="nl-NL"/>
           </a:p>
@@ -4549,9 +4549,9 @@
           <a:bodyPr/>
           <a:lstStyle/>
           <a:p>
-            <a:fld id="{D15822B7-9EF6-9542-AF10-CD505E021A84}" type="datetime1">
+            <a:fld id="{1631A466-BC4F-407D-A3EA-76F6655478F0}" type="datetime1">
               <a:rPr lang="nl-BE" smtClean="0"/>
-              <a:t>21/09/2025</a:t>
+              <a:t>28/09/2025</a:t>
             </a:fld>
             <a:endParaRPr lang="nl-NL"/>
           </a:p>
@@ -4740,9 +4740,9 @@
           <a:bodyPr/>
           <a:lstStyle/>
           <a:p>
-            <a:fld id="{D15822B7-9EF6-9542-AF10-CD505E021A84}" type="datetime1">
+            <a:fld id="{7CF5F32B-E94B-420F-86D9-59A9E32E05E1}" type="datetime1">
               <a:rPr lang="nl-BE" smtClean="0"/>
-              <a:t>21/09/2025</a:t>
+              <a:t>28/09/2025</a:t>
             </a:fld>
             <a:endParaRPr lang="nl-NL"/>
           </a:p>
@@ -5098,9 +5098,9 @@
             </a:lvl1pPr>
           </a:lstStyle>
           <a:p>
-            <a:fld id="{0C33DDE8-63FF-C642-9F3A-0B773DD34821}" type="datetime1">
+            <a:fld id="{341CC9F9-C2CE-4031-804C-1F2576E1A82A}" type="datetime1">
               <a:rPr lang="nl-BE" smtClean="0"/>
-              <a:t>21/09/2025</a:t>
+              <a:t>28/09/2025</a:t>
             </a:fld>
             <a:endParaRPr lang="nl-NL"/>
           </a:p>
@@ -5236,7 +5236,7 @@
     <p:sldLayoutId id="2147483670" r:id="rId12"/>
     <p:sldLayoutId id="2147483651" r:id="rId13"/>
   </p:sldLayoutIdLst>
-  <p:hf hdr="0" ftr="0" dt="0"/>
+  <p:hf hdr="0" dt="0"/>
   <p:txStyles>
     <p:titleStyle>
       <a:lvl1pPr algn="l" defTabSz="914400" rtl="0" eaLnBrk="1" latinLnBrk="0" hangingPunct="1">
@@ -6623,26 +6623,6 @@
 </file>
 
 <file path=customXml/item1.xml><?xml version="1.0" encoding="utf-8"?>
-<p:properties xmlns:p="http://schemas.microsoft.com/office/2006/metadata/properties" xmlns:xsi="http://www.w3.org/2001/XMLSchema-instance" xmlns:pc="http://schemas.microsoft.com/office/infopath/2007/PartnerControls">
-  <documentManagement>
-    <lcf76f155ced4ddcb4097134ff3c332f xmlns="81d41a3b-f33d-4db6-b532-757106a7a2ae">
-      <Terms xmlns="http://schemas.microsoft.com/office/infopath/2007/PartnerControls"/>
-    </lcf76f155ced4ddcb4097134ff3c332f>
-    <TaxCatchAll xmlns="bf25a9bf-a811-4965-9d0a-b88059080fed" xsi:nil="true"/>
-  </documentManagement>
-</p:properties>
-</file>
-
-<file path=customXml/item2.xml><?xml version="1.0" encoding="utf-8"?>
-<?mso-contentType ?>
-<FormTemplates xmlns="http://schemas.microsoft.com/sharepoint/v3/contenttype/forms">
-  <Display>DocumentLibraryForm</Display>
-  <Edit>DocumentLibraryForm</Edit>
-  <New>DocumentLibraryForm</New>
-</FormTemplates>
-</file>
-
-<file path=customXml/item3.xml><?xml version="1.0" encoding="utf-8"?>
 <ct:contentTypeSchema xmlns:ct="http://schemas.microsoft.com/office/2006/metadata/contentType" xmlns:ma="http://schemas.microsoft.com/office/2006/metadata/properties/metaAttributes" ct:_="" ma:_="" ma:contentTypeName="Document" ma:contentTypeID="0x010100B8C495A181F81B4C9DE5AD85CD0F70D4" ma:contentTypeVersion="18" ma:contentTypeDescription="Een nieuw document maken." ma:contentTypeScope="" ma:versionID="6ba28a59cba4a02a693681f32745d77b">
   <xsd:schema xmlns:xsd="http://www.w3.org/2001/XMLSchema" xmlns:xs="http://www.w3.org/2001/XMLSchema" xmlns:p="http://schemas.microsoft.com/office/2006/metadata/properties" xmlns:ns2="81d41a3b-f33d-4db6-b532-757106a7a2ae" xmlns:ns3="bf25a9bf-a811-4965-9d0a-b88059080fed" targetNamespace="http://schemas.microsoft.com/office/2006/metadata/properties" ma:root="true" ma:fieldsID="b996b4a4c0d83f5cfec71b22aba921d2" ns2:_="" ns3:_="">
     <xsd:import namespace="81d41a3b-f33d-4db6-b532-757106a7a2ae"/>
@@ -6897,32 +6877,27 @@
 </ct:contentTypeSchema>
 </file>
 
-<file path=customXml/itemProps1.xml><?xml version="1.0" encoding="utf-8"?>
-<ds:datastoreItem xmlns:ds="http://schemas.openxmlformats.org/officeDocument/2006/customXml" ds:itemID="{5EE9034D-0B43-4AB0-9535-9A62DB37A999}">
-  <ds:schemaRefs>
-    <ds:schemaRef ds:uri="http://www.w3.org/XML/1998/namespace"/>
-    <ds:schemaRef ds:uri="81d41a3b-f33d-4db6-b532-757106a7a2ae"/>
-    <ds:schemaRef ds:uri="http://purl.org/dc/dcmitype/"/>
-    <ds:schemaRef ds:uri="http://purl.org/dc/elements/1.1/"/>
-    <ds:schemaRef ds:uri="http://schemas.microsoft.com/office/2006/documentManagement/types"/>
-    <ds:schemaRef ds:uri="bf25a9bf-a811-4965-9d0a-b88059080fed"/>
-    <ds:schemaRef ds:uri="http://purl.org/dc/terms/"/>
-    <ds:schemaRef ds:uri="http://schemas.microsoft.com/office/infopath/2007/PartnerControls"/>
-    <ds:schemaRef ds:uri="http://schemas.openxmlformats.org/package/2006/metadata/core-properties"/>
-    <ds:schemaRef ds:uri="http://schemas.microsoft.com/office/2006/metadata/properties"/>
-  </ds:schemaRefs>
-</ds:datastoreItem>
+<file path=customXml/item2.xml><?xml version="1.0" encoding="utf-8"?>
+<?mso-contentType ?>
+<FormTemplates xmlns="http://schemas.microsoft.com/sharepoint/v3/contenttype/forms">
+  <Display>DocumentLibraryForm</Display>
+  <Edit>DocumentLibraryForm</Edit>
+  <New>DocumentLibraryForm</New>
+</FormTemplates>
 </file>
 
-<file path=customXml/itemProps2.xml><?xml version="1.0" encoding="utf-8"?>
-<ds:datastoreItem xmlns:ds="http://schemas.openxmlformats.org/officeDocument/2006/customXml" ds:itemID="{263A7949-1B93-457F-8888-53CC8A016F77}">
-  <ds:schemaRefs>
-    <ds:schemaRef ds:uri="http://schemas.microsoft.com/sharepoint/v3/contenttype/forms"/>
-  </ds:schemaRefs>
-</ds:datastoreItem>
+<file path=customXml/item3.xml><?xml version="1.0" encoding="utf-8"?>
+<p:properties xmlns:p="http://schemas.microsoft.com/office/2006/metadata/properties" xmlns:xsi="http://www.w3.org/2001/XMLSchema-instance" xmlns:pc="http://schemas.microsoft.com/office/infopath/2007/PartnerControls">
+  <documentManagement>
+    <lcf76f155ced4ddcb4097134ff3c332f xmlns="81d41a3b-f33d-4db6-b532-757106a7a2ae">
+      <Terms xmlns="http://schemas.microsoft.com/office/infopath/2007/PartnerControls"/>
+    </lcf76f155ced4ddcb4097134ff3c332f>
+    <TaxCatchAll xmlns="bf25a9bf-a811-4965-9d0a-b88059080fed" xsi:nil="true"/>
+  </documentManagement>
+</p:properties>
 </file>
 
-<file path=customXml/itemProps3.xml><?xml version="1.0" encoding="utf-8"?>
+<file path=customXml/itemProps1.xml><?xml version="1.0" encoding="utf-8"?>
 <ds:datastoreItem xmlns:ds="http://schemas.openxmlformats.org/officeDocument/2006/customXml" ds:itemID="{2A270F01-48F1-4A41-8E26-ACAC66896963}">
   <ds:schemaRefs>
     <ds:schemaRef ds:uri="http://schemas.microsoft.com/office/2006/metadata/contentType"/>
@@ -6939,4 +6914,29 @@
     <ds:schemaRef ds:uri="http://schemas.microsoft.com/internal/obd"/>
   </ds:schemaRefs>
 </ds:datastoreItem>
+</file>
+
+<file path=customXml/itemProps2.xml><?xml version="1.0" encoding="utf-8"?>
+<ds:datastoreItem xmlns:ds="http://schemas.openxmlformats.org/officeDocument/2006/customXml" ds:itemID="{263A7949-1B93-457F-8888-53CC8A016F77}">
+  <ds:schemaRefs>
+    <ds:schemaRef ds:uri="http://schemas.microsoft.com/sharepoint/v3/contenttype/forms"/>
+  </ds:schemaRefs>
+</ds:datastoreItem>
+</file>
+
+<file path=customXml/itemProps3.xml><?xml version="1.0" encoding="utf-8"?>
+<ds:datastoreItem xmlns:ds="http://schemas.openxmlformats.org/officeDocument/2006/customXml" ds:itemID="{5EE9034D-0B43-4AB0-9535-9A62DB37A999}">
+  <ds:schemaRefs>
+    <ds:schemaRef ds:uri="http://www.w3.org/XML/1998/namespace"/>
+    <ds:schemaRef ds:uri="81d41a3b-f33d-4db6-b532-757106a7a2ae"/>
+    <ds:schemaRef ds:uri="http://purl.org/dc/dcmitype/"/>
+    <ds:schemaRef ds:uri="http://purl.org/dc/elements/1.1/"/>
+    <ds:schemaRef ds:uri="http://schemas.microsoft.com/office/2006/documentManagement/types"/>
+    <ds:schemaRef ds:uri="bf25a9bf-a811-4965-9d0a-b88059080fed"/>
+    <ds:schemaRef ds:uri="http://purl.org/dc/terms/"/>
+    <ds:schemaRef ds:uri="http://schemas.microsoft.com/office/infopath/2007/PartnerControls"/>
+    <ds:schemaRef ds:uri="http://schemas.openxmlformats.org/package/2006/metadata/core-properties"/>
+    <ds:schemaRef ds:uri="http://schemas.microsoft.com/office/2006/metadata/properties"/>
+  </ds:schemaRefs>
+</ds:datastoreItem>
 </file>
--- a/ToegepasteAnalogeElektronica/PowerPoint/reflecties.pptx
+++ b/ToegepasteAnalogeElektronica/PowerPoint/reflecties.pptx
@@ -5717,7 +5717,7 @@
         <p:spPr>
           <a:xfrm>
             <a:off x="0" y="566928"/>
-            <a:ext cx="12192000" cy="5577840"/>
+            <a:ext cx="12192000" cy="5669280"/>
           </a:xfrm>
           <a:prstGeom prst="rect">
             <a:avLst/>
@@ -5788,7 +5788,7 @@
         <p:spPr>
           <a:xfrm>
             <a:off x="0" y="566928"/>
-            <a:ext cx="12192000" cy="5577840"/>
+            <a:ext cx="12192000" cy="5669280"/>
           </a:xfrm>
           <a:prstGeom prst="rect">
             <a:avLst/>
